--- a/PP_LTHD.pptx
+++ b/PP_LTHD.pptx
@@ -318,7 +318,7 @@
           <a:p>
             <a:fld id="{99D18FCC-64E9-4C3F-A905-2B70B8B214BF}" type="datetimeFigureOut">
               <a:rPr lang="en-US" smtClean="0"/>
-              <a:t>4/22/2021</a:t>
+              <a:t>4/27/2021</a:t>
             </a:fld>
             <a:endParaRPr lang="en-US"/>
           </a:p>
@@ -564,7 +564,7 @@
           <a:p>
             <a:fld id="{99D18FCC-64E9-4C3F-A905-2B70B8B214BF}" type="datetimeFigureOut">
               <a:rPr lang="en-US" smtClean="0"/>
-              <a:t>4/22/2021</a:t>
+              <a:t>4/27/2021</a:t>
             </a:fld>
             <a:endParaRPr lang="en-US"/>
           </a:p>
@@ -738,7 +738,7 @@
           <a:p>
             <a:fld id="{99D18FCC-64E9-4C3F-A905-2B70B8B214BF}" type="datetimeFigureOut">
               <a:rPr lang="en-US" smtClean="0"/>
-              <a:t>4/22/2021</a:t>
+              <a:t>4/27/2021</a:t>
             </a:fld>
             <a:endParaRPr lang="en-US"/>
           </a:p>
@@ -902,7 +902,7 @@
           <a:p>
             <a:fld id="{99D18FCC-64E9-4C3F-A905-2B70B8B214BF}" type="datetimeFigureOut">
               <a:rPr lang="en-US" smtClean="0"/>
-              <a:t>4/22/2021</a:t>
+              <a:t>4/27/2021</a:t>
             </a:fld>
             <a:endParaRPr lang="en-US"/>
           </a:p>
@@ -1089,7 +1089,7 @@
           <a:p>
             <a:fld id="{99D18FCC-64E9-4C3F-A905-2B70B8B214BF}" type="datetimeFigureOut">
               <a:rPr lang="en-US" smtClean="0"/>
-              <a:t>4/22/2021</a:t>
+              <a:t>4/27/2021</a:t>
             </a:fld>
             <a:endParaRPr lang="en-US"/>
           </a:p>
@@ -1314,7 +1314,7 @@
           <a:p>
             <a:fld id="{99D18FCC-64E9-4C3F-A905-2B70B8B214BF}" type="datetimeFigureOut">
               <a:rPr lang="en-US" smtClean="0"/>
-              <a:t>4/22/2021</a:t>
+              <a:t>4/27/2021</a:t>
             </a:fld>
             <a:endParaRPr lang="en-US"/>
           </a:p>
@@ -1674,7 +1674,7 @@
           <a:p>
             <a:fld id="{99D18FCC-64E9-4C3F-A905-2B70B8B214BF}" type="datetimeFigureOut">
               <a:rPr lang="en-US" smtClean="0"/>
-              <a:t>4/22/2021</a:t>
+              <a:t>4/27/2021</a:t>
             </a:fld>
             <a:endParaRPr lang="en-US"/>
           </a:p>
@@ -1787,7 +1787,7 @@
           <a:p>
             <a:fld id="{99D18FCC-64E9-4C3F-A905-2B70B8B214BF}" type="datetimeFigureOut">
               <a:rPr lang="en-US" smtClean="0"/>
-              <a:t>4/22/2021</a:t>
+              <a:t>4/27/2021</a:t>
             </a:fld>
             <a:endParaRPr lang="en-US"/>
           </a:p>
@@ -1878,7 +1878,7 @@
           <a:p>
             <a:fld id="{99D18FCC-64E9-4C3F-A905-2B70B8B214BF}" type="datetimeFigureOut">
               <a:rPr lang="en-US" smtClean="0"/>
-              <a:t>4/22/2021</a:t>
+              <a:t>4/27/2021</a:t>
             </a:fld>
             <a:endParaRPr lang="en-US"/>
           </a:p>
@@ -2149,7 +2149,7 @@
           <a:p>
             <a:fld id="{99D18FCC-64E9-4C3F-A905-2B70B8B214BF}" type="datetimeFigureOut">
               <a:rPr lang="en-US" smtClean="0"/>
-              <a:t>4/22/2021</a:t>
+              <a:t>4/27/2021</a:t>
             </a:fld>
             <a:endParaRPr lang="en-US"/>
           </a:p>
@@ -2426,7 +2426,7 @@
           <a:p>
             <a:fld id="{99D18FCC-64E9-4C3F-A905-2B70B8B214BF}" type="datetimeFigureOut">
               <a:rPr lang="en-US" smtClean="0"/>
-              <a:t>4/22/2021</a:t>
+              <a:t>4/27/2021</a:t>
             </a:fld>
             <a:endParaRPr lang="en-US"/>
           </a:p>
@@ -2696,7 +2696,7 @@
           <a:p>
             <a:fld id="{99D18FCC-64E9-4C3F-A905-2B70B8B214BF}" type="datetimeFigureOut">
               <a:rPr lang="en-US" smtClean="0"/>
-              <a:t>4/22/2021</a:t>
+              <a:t>4/27/2021</a:t>
             </a:fld>
             <a:endParaRPr lang="en-US"/>
           </a:p>
@@ -10825,6 +10825,79 @@
                 <a:ea typeface="Calibri" panose="020F0502020204030204" pitchFamily="34" charset="0"/>
               </a:rPr>
               <a:t>Kết quả đạt được</a:t>
+            </a:r>
+          </a:p>
+        </p:txBody>
+      </p:sp>
+      <p:sp>
+        <p:nvSpPr>
+          <p:cNvPr id="3" name="TextBox 2">
+            <a:extLst>
+              <a:ext uri="{FF2B5EF4-FFF2-40B4-BE49-F238E27FC236}">
+                <a16:creationId xmlns:a16="http://schemas.microsoft.com/office/drawing/2014/main" id="{584BCA74-76AE-4560-88AF-54A57394E44E}"/>
+              </a:ext>
+            </a:extLst>
+          </p:cNvPr>
+          <p:cNvSpPr txBox="1"/>
+          <p:nvPr/>
+        </p:nvSpPr>
+        <p:spPr>
+          <a:xfrm>
+            <a:off x="1664898" y="1488598"/>
+            <a:ext cx="9954883" cy="369332"/>
+          </a:xfrm>
+          <a:prstGeom prst="rect">
+            <a:avLst/>
+          </a:prstGeom>
+          <a:noFill/>
+        </p:spPr>
+        <p:txBody>
+          <a:bodyPr wrap="square" rtlCol="0">
+            <a:spAutoFit/>
+          </a:bodyPr>
+          <a:lstStyle/>
+          <a:p>
+            <a:pPr marL="285750" indent="-285750">
+              <a:buFontTx/>
+              <a:buChar char="-"/>
+            </a:pPr>
+            <a:r>
+              <a:rPr lang="en-US" dirty="0" err="1"/>
+              <a:t>Hiểu</a:t>
+            </a:r>
+            <a:r>
+              <a:rPr lang="en-US" dirty="0"/>
+              <a:t> </a:t>
+            </a:r>
+            <a:r>
+              <a:rPr lang="en-US" dirty="0" err="1"/>
+              <a:t>thêm</a:t>
+            </a:r>
+            <a:r>
+              <a:rPr lang="en-US" dirty="0"/>
+              <a:t> </a:t>
+            </a:r>
+            <a:r>
+              <a:rPr lang="en-US" dirty="0" err="1"/>
+              <a:t>về</a:t>
+            </a:r>
+            <a:r>
+              <a:rPr lang="en-US" dirty="0"/>
+              <a:t> </a:t>
+            </a:r>
+            <a:r>
+              <a:rPr lang="en-US" b="0" i="0" dirty="0">
+                <a:solidFill>
+                  <a:srgbClr val="6E7171"/>
+                </a:solidFill>
+                <a:effectLst/>
+                <a:latin typeface="arial" panose="020B0604020202020204" pitchFamily="34" charset="0"/>
+              </a:rPr>
+              <a:t> framework </a:t>
+            </a:r>
+            <a:r>
+              <a:rPr lang="en-US" dirty="0"/>
+              <a:t> Angular</a:t>
             </a:r>
           </a:p>
         </p:txBody>
